--- a/semester 5/PKM/PPT Workshop Portofolio UNPAM.pptx
+++ b/semester 5/PKM/PPT Workshop Portofolio UNPAM.pptx
@@ -5,7 +5,7 @@
     <p:sldMasterId id="2147483660" r:id="rId1"/>
   </p:sldMasterIdLst>
   <p:notesMasterIdLst>
-    <p:notesMasterId r:id="rId21"/>
+    <p:notesMasterId r:id="rId20"/>
   </p:notesMasterIdLst>
   <p:sldIdLst>
     <p:sldId id="256" r:id="rId2"/>
@@ -26,38 +26,37 @@
     <p:sldId id="292" r:id="rId17"/>
     <p:sldId id="302" r:id="rId18"/>
     <p:sldId id="303" r:id="rId19"/>
-    <p:sldId id="304" r:id="rId20"/>
   </p:sldIdLst>
   <p:sldSz cx="9144000" cy="5143500" type="screen16x9"/>
   <p:notesSz cx="6858000" cy="9144000"/>
   <p:embeddedFontLst>
     <p:embeddedFont>
       <p:font typeface="Fira Sans" panose="020B0503050000020004" pitchFamily="34" charset="0"/>
-      <p:regular r:id="rId22"/>
-      <p:bold r:id="rId23"/>
-      <p:italic r:id="rId24"/>
-      <p:boldItalic r:id="rId25"/>
+      <p:regular r:id="rId21"/>
+      <p:bold r:id="rId22"/>
+      <p:italic r:id="rId23"/>
+      <p:boldItalic r:id="rId24"/>
     </p:embeddedFont>
     <p:embeddedFont>
       <p:font typeface="Fira Sans Extra Condensed" panose="020B0503050000020004" pitchFamily="34" charset="0"/>
-      <p:regular r:id="rId26"/>
-      <p:bold r:id="rId27"/>
-      <p:italic r:id="rId28"/>
-      <p:boldItalic r:id="rId29"/>
+      <p:regular r:id="rId25"/>
+      <p:bold r:id="rId26"/>
+      <p:italic r:id="rId27"/>
+      <p:boldItalic r:id="rId28"/>
     </p:embeddedFont>
     <p:embeddedFont>
       <p:font typeface="Fira Sans Extra Condensed SemiBold" panose="020B0604020202020204" charset="0"/>
-      <p:regular r:id="rId30"/>
-      <p:bold r:id="rId31"/>
-      <p:italic r:id="rId32"/>
-      <p:boldItalic r:id="rId33"/>
+      <p:regular r:id="rId29"/>
+      <p:bold r:id="rId30"/>
+      <p:italic r:id="rId31"/>
+      <p:boldItalic r:id="rId32"/>
     </p:embeddedFont>
     <p:embeddedFont>
       <p:font typeface="Roboto" panose="02000000000000000000" pitchFamily="2" charset="0"/>
-      <p:regular r:id="rId34"/>
-      <p:bold r:id="rId35"/>
-      <p:italic r:id="rId36"/>
-      <p:boldItalic r:id="rId37"/>
+      <p:regular r:id="rId33"/>
+      <p:bold r:id="rId34"/>
+      <p:italic r:id="rId35"/>
+      <p:boldItalic r:id="rId36"/>
     </p:embeddedFont>
   </p:embeddedFontLst>
   <p:defaultTextStyle>
@@ -1809,115 +1808,6 @@
     <p:extLst>
       <p:ext uri="{BB962C8B-B14F-4D97-AF65-F5344CB8AC3E}">
         <p14:creationId xmlns:p14="http://schemas.microsoft.com/office/powerpoint/2010/main" val="3488682841"/>
-      </p:ext>
-    </p:extLst>
-  </p:cSld>
-  <p:clrMapOvr>
-    <a:masterClrMapping/>
-  </p:clrMapOvr>
-</p:notes>
-</file>
-
-<file path=ppt/notesSlides/notesSlide19.xml><?xml version="1.0" encoding="utf-8"?>
-<p:notes xmlns:a="http://schemas.openxmlformats.org/drawingml/2006/main" xmlns:r="http://schemas.openxmlformats.org/officeDocument/2006/relationships" xmlns:p="http://schemas.openxmlformats.org/presentationml/2006/main" showMasterSp="0" showMasterPhAnim="0">
-  <p:cSld>
-    <p:spTree>
-      <p:nvGrpSpPr>
-        <p:cNvPr id="1" name="Shape 137"/>
-        <p:cNvGrpSpPr/>
-        <p:nvPr/>
-      </p:nvGrpSpPr>
-      <p:grpSpPr>
-        <a:xfrm>
-          <a:off x="0" y="0"/>
-          <a:ext cx="0" cy="0"/>
-          <a:chOff x="0" y="0"/>
-          <a:chExt cx="0" cy="0"/>
-        </a:xfrm>
-      </p:grpSpPr>
-      <p:sp>
-        <p:nvSpPr>
-          <p:cNvPr id="138" name="Google Shape;138;ga502d2014c_3_128:notes"/>
-          <p:cNvSpPr>
-            <a:spLocks noGrp="1" noRot="1" noChangeAspect="1"/>
-          </p:cNvSpPr>
-          <p:nvPr>
-            <p:ph type="sldImg" idx="2"/>
-          </p:nvPr>
-        </p:nvSpPr>
-        <p:spPr>
-          <a:xfrm>
-            <a:off x="381000" y="685800"/>
-            <a:ext cx="6096000" cy="3429000"/>
-          </a:xfrm>
-          <a:custGeom>
-            <a:avLst/>
-            <a:gdLst/>
-            <a:ahLst/>
-            <a:cxnLst/>
-            <a:rect l="l" t="t" r="r" b="b"/>
-            <a:pathLst>
-              <a:path w="120000" h="120000" extrusionOk="0">
-                <a:moveTo>
-                  <a:pt x="0" y="0"/>
-                </a:moveTo>
-                <a:lnTo>
-                  <a:pt x="120000" y="0"/>
-                </a:lnTo>
-                <a:lnTo>
-                  <a:pt x="120000" y="120000"/>
-                </a:lnTo>
-                <a:lnTo>
-                  <a:pt x="0" y="120000"/>
-                </a:lnTo>
-                <a:close/>
-              </a:path>
-            </a:pathLst>
-          </a:custGeom>
-        </p:spPr>
-      </p:sp>
-      <p:sp>
-        <p:nvSpPr>
-          <p:cNvPr id="139" name="Google Shape;139;ga502d2014c_3_128:notes"/>
-          <p:cNvSpPr txBox="1">
-            <a:spLocks noGrp="1"/>
-          </p:cNvSpPr>
-          <p:nvPr>
-            <p:ph type="body" idx="1"/>
-          </p:nvPr>
-        </p:nvSpPr>
-        <p:spPr>
-          <a:xfrm>
-            <a:off x="685800" y="4343400"/>
-            <a:ext cx="5486400" cy="4114800"/>
-          </a:xfrm>
-          <a:prstGeom prst="rect">
-            <a:avLst/>
-          </a:prstGeom>
-        </p:spPr>
-        <p:txBody>
-          <a:bodyPr spcFirstLastPara="1" wrap="square" lIns="91425" tIns="91425" rIns="91425" bIns="91425" anchor="t" anchorCtr="0">
-            <a:noAutofit/>
-          </a:bodyPr>
-          <a:lstStyle/>
-          <a:p>
-            <a:pPr marL="0" lvl="0" indent="0" algn="l" rtl="0">
-              <a:spcBef>
-                <a:spcPts val="0"/>
-              </a:spcBef>
-              <a:spcAft>
-                <a:spcPts val="0"/>
-              </a:spcAft>
-              <a:buNone/>
-            </a:pPr>
-            <a:endParaRPr/>
-          </a:p>
-        </p:txBody>
-      </p:sp>
-    </p:spTree>
-    <p:extLst>
-      <p:ext uri="{BB962C8B-B14F-4D97-AF65-F5344CB8AC3E}">
-        <p14:creationId xmlns:p14="http://schemas.microsoft.com/office/powerpoint/2010/main" val="2265460208"/>
       </p:ext>
     </p:extLst>
   </p:cSld>
@@ -12835,7 +12725,7 @@
         <p:spPr>
           <a:xfrm>
             <a:off x="457199" y="1214458"/>
-            <a:ext cx="8229599" cy="3744615"/>
+            <a:ext cx="8229599" cy="3005951"/>
           </a:xfrm>
           <a:prstGeom prst="rect">
             <a:avLst/>
@@ -13094,7 +12984,7 @@
                 <a:ea typeface="Yu Mincho" panose="02020400000000000000" pitchFamily="18" charset="-128"/>
                 <a:cs typeface="Times New Roman" panose="02020603050405020304" pitchFamily="18" charset="0"/>
               </a:rPr>
-              <a:t> mobile</a:t>
+              <a:t> mobile.</a:t>
             </a:r>
           </a:p>
           <a:p>
@@ -13145,15 +13035,16 @@
                 <a:ea typeface="Yu Mincho" panose="02020400000000000000" pitchFamily="18" charset="-128"/>
                 <a:cs typeface="Times New Roman" panose="02020603050405020304" pitchFamily="18" charset="0"/>
               </a:rPr>
-              <a:t> UI dan wireframe (</a:t>
+              <a:t> UI dan wireframe </a:t>
             </a:r>
             <a:r>
               <a:rPr lang="en-ID" sz="1600" dirty="0" err="1">
+                <a:effectLst/>
                 <a:latin typeface="Roboto" panose="02000000000000000000" pitchFamily="2" charset="0"/>
                 <a:ea typeface="Yu Mincho" panose="02020400000000000000" pitchFamily="18" charset="-128"/>
                 <a:cs typeface="Times New Roman" panose="02020603050405020304" pitchFamily="18" charset="0"/>
               </a:rPr>
-              <a:t>mockup</a:t>
+              <a:t>baik</a:t>
             </a:r>
             <a:r>
               <a:rPr lang="en-ID" sz="1600" dirty="0">
@@ -13162,7 +13053,7 @@
                 <a:ea typeface="Yu Mincho" panose="02020400000000000000" pitchFamily="18" charset="-128"/>
                 <a:cs typeface="Times New Roman" panose="02020603050405020304" pitchFamily="18" charset="0"/>
               </a:rPr>
-              <a:t>) </a:t>
+              <a:t> </a:t>
             </a:r>
             <a:r>
               <a:rPr lang="en-ID" sz="1600" dirty="0" err="1">
@@ -13171,7 +13062,7 @@
                 <a:ea typeface="Yu Mincho" panose="02020400000000000000" pitchFamily="18" charset="-128"/>
                 <a:cs typeface="Times New Roman" panose="02020603050405020304" pitchFamily="18" charset="0"/>
               </a:rPr>
-              <a:t>baik</a:t>
+              <a:t>itu</a:t>
             </a:r>
             <a:r>
               <a:rPr lang="en-ID" sz="1600" dirty="0">
@@ -13189,7 +13080,7 @@
                 <a:ea typeface="Yu Mincho" panose="02020400000000000000" pitchFamily="18" charset="-128"/>
                 <a:cs typeface="Times New Roman" panose="02020603050405020304" pitchFamily="18" charset="0"/>
               </a:rPr>
-              <a:t>itu</a:t>
+              <a:t>aplikasi</a:t>
             </a:r>
             <a:r>
               <a:rPr lang="en-ID" sz="1600" dirty="0">
@@ -13198,7 +13089,7 @@
                 <a:ea typeface="Yu Mincho" panose="02020400000000000000" pitchFamily="18" charset="-128"/>
                 <a:cs typeface="Times New Roman" panose="02020603050405020304" pitchFamily="18" charset="0"/>
               </a:rPr>
-              <a:t> </a:t>
+              <a:t> mobile, desktop </a:t>
             </a:r>
             <a:r>
               <a:rPr lang="en-ID" sz="1600" dirty="0" err="1">
@@ -13207,7 +13098,7 @@
                 <a:ea typeface="Yu Mincho" panose="02020400000000000000" pitchFamily="18" charset="-128"/>
                 <a:cs typeface="Times New Roman" panose="02020603050405020304" pitchFamily="18" charset="0"/>
               </a:rPr>
-              <a:t>aplikasi</a:t>
+              <a:t>maupun</a:t>
             </a:r>
             <a:r>
               <a:rPr lang="en-ID" sz="1600" dirty="0">
@@ -13216,25 +13107,7 @@
                 <a:ea typeface="Yu Mincho" panose="02020400000000000000" pitchFamily="18" charset="-128"/>
                 <a:cs typeface="Times New Roman" panose="02020603050405020304" pitchFamily="18" charset="0"/>
               </a:rPr>
-              <a:t> mobile, desktop </a:t>
-            </a:r>
-            <a:r>
-              <a:rPr lang="en-ID" sz="1600" dirty="0" err="1">
-                <a:effectLst/>
-                <a:latin typeface="Roboto" panose="02000000000000000000" pitchFamily="2" charset="0"/>
-                <a:ea typeface="Yu Mincho" panose="02020400000000000000" pitchFamily="18" charset="-128"/>
-                <a:cs typeface="Times New Roman" panose="02020603050405020304" pitchFamily="18" charset="0"/>
-              </a:rPr>
-              <a:t>maupun</a:t>
-            </a:r>
-            <a:r>
-              <a:rPr lang="en-ID" sz="1600" dirty="0">
-                <a:effectLst/>
-                <a:latin typeface="Roboto" panose="02000000000000000000" pitchFamily="2" charset="0"/>
-                <a:ea typeface="Yu Mincho" panose="02020400000000000000" pitchFamily="18" charset="-128"/>
-                <a:cs typeface="Times New Roman" panose="02020603050405020304" pitchFamily="18" charset="0"/>
-              </a:rPr>
-              <a:t> web</a:t>
+              <a:t> web.</a:t>
             </a:r>
           </a:p>
           <a:p>
@@ -13357,7 +13230,24 @@
                 <a:ea typeface="Yu Mincho" panose="02020400000000000000" pitchFamily="18" charset="-128"/>
                 <a:cs typeface="Times New Roman" panose="02020603050405020304" pitchFamily="18" charset="0"/>
               </a:rPr>
-              <a:t> Facebook, Twitter, Instagram, Dribble, LinkedIn dan lain-lain</a:t>
+              <a:t> </a:t>
+            </a:r>
+            <a:r>
+              <a:rPr lang="en-ID" sz="1600" dirty="0">
+                <a:latin typeface="Roboto" panose="02000000000000000000" pitchFamily="2" charset="0"/>
+                <a:ea typeface="Yu Mincho" panose="02020400000000000000" pitchFamily="18" charset="-128"/>
+                <a:cs typeface="Times New Roman" panose="02020603050405020304" pitchFamily="18" charset="0"/>
+              </a:rPr>
+              <a:t>F</a:t>
+            </a:r>
+            <a:r>
+              <a:rPr lang="en-ID" sz="1600" dirty="0">
+                <a:effectLst/>
+                <a:latin typeface="Roboto" panose="02000000000000000000" pitchFamily="2" charset="0"/>
+                <a:ea typeface="Yu Mincho" panose="02020400000000000000" pitchFamily="18" charset="-128"/>
+                <a:cs typeface="Times New Roman" panose="02020603050405020304" pitchFamily="18" charset="0"/>
+              </a:rPr>
+              <a:t>B, IG dan lain-lain.</a:t>
             </a:r>
           </a:p>
           <a:p>
@@ -13462,7 +13352,7 @@
                 <a:ea typeface="Yu Mincho" panose="02020400000000000000" pitchFamily="18" charset="-128"/>
                 <a:cs typeface="Times New Roman" panose="02020603050405020304" pitchFamily="18" charset="0"/>
               </a:rPr>
-              <a:t> di template</a:t>
+              <a:t> di template.</a:t>
             </a:r>
           </a:p>
           <a:p>
@@ -13481,16 +13371,14 @@
             </a:pPr>
             <a:r>
               <a:rPr lang="en-ID" sz="1600" dirty="0" err="1">
-                <a:effectLst/>
                 <a:latin typeface="Roboto" panose="02000000000000000000" pitchFamily="2" charset="0"/>
                 <a:ea typeface="Yu Mincho" panose="02020400000000000000" pitchFamily="18" charset="-128"/>
                 <a:cs typeface="Times New Roman" panose="02020603050405020304" pitchFamily="18" charset="0"/>
               </a:rPr>
-              <a:t>Pengeditan</a:t>
+              <a:t>Membuat</a:t>
             </a:r>
             <a:r>
               <a:rPr lang="en-ID" sz="1600" dirty="0">
-                <a:effectLst/>
                 <a:latin typeface="Roboto" panose="02000000000000000000" pitchFamily="2" charset="0"/>
                 <a:ea typeface="Yu Mincho" panose="02020400000000000000" pitchFamily="18" charset="-128"/>
                 <a:cs typeface="Times New Roman" panose="02020603050405020304" pitchFamily="18" charset="0"/>
@@ -13499,16 +13387,14 @@
             </a:r>
             <a:r>
               <a:rPr lang="en-ID" sz="1600" dirty="0" err="1">
-                <a:effectLst/>
                 <a:latin typeface="Roboto" panose="02000000000000000000" pitchFamily="2" charset="0"/>
                 <a:ea typeface="Yu Mincho" panose="02020400000000000000" pitchFamily="18" charset="-128"/>
                 <a:cs typeface="Times New Roman" panose="02020603050405020304" pitchFamily="18" charset="0"/>
               </a:rPr>
-              <a:t>gambar</a:t>
+              <a:t>desain</a:t>
             </a:r>
             <a:r>
               <a:rPr lang="en-ID" sz="1600" dirty="0">
-                <a:effectLst/>
                 <a:latin typeface="Roboto" panose="02000000000000000000" pitchFamily="2" charset="0"/>
                 <a:ea typeface="Yu Mincho" panose="02020400000000000000" pitchFamily="18" charset="-128"/>
                 <a:cs typeface="Times New Roman" panose="02020603050405020304" pitchFamily="18" charset="0"/>
@@ -13517,12 +13403,35 @@
             </a:r>
             <a:r>
               <a:rPr lang="en-ID" sz="1600" dirty="0" err="1">
-                <a:effectLst/>
                 <a:latin typeface="Roboto" panose="02000000000000000000" pitchFamily="2" charset="0"/>
                 <a:ea typeface="Yu Mincho" panose="02020400000000000000" pitchFamily="18" charset="-128"/>
                 <a:cs typeface="Times New Roman" panose="02020603050405020304" pitchFamily="18" charset="0"/>
               </a:rPr>
-              <a:t>dasar</a:t>
+              <a:t>cetak</a:t>
+            </a:r>
+            <a:r>
+              <a:rPr lang="en-ID" sz="1600" dirty="0">
+                <a:latin typeface="Roboto" panose="02000000000000000000" pitchFamily="2" charset="0"/>
+                <a:ea typeface="Yu Mincho" panose="02020400000000000000" pitchFamily="18" charset="-128"/>
+                <a:cs typeface="Times New Roman" panose="02020603050405020304" pitchFamily="18" charset="0"/>
+              </a:rPr>
+              <a:t> </a:t>
+            </a:r>
+            <a:r>
+              <a:rPr lang="en-ID" sz="1600" dirty="0" err="1">
+                <a:latin typeface="Roboto" panose="02000000000000000000" pitchFamily="2" charset="0"/>
+                <a:ea typeface="Yu Mincho" panose="02020400000000000000" pitchFamily="18" charset="-128"/>
+                <a:cs typeface="Times New Roman" panose="02020603050405020304" pitchFamily="18" charset="0"/>
+              </a:rPr>
+              <a:t>seperti</a:t>
+            </a:r>
+            <a:r>
+              <a:rPr lang="en-ID" sz="1600" dirty="0">
+                <a:latin typeface="Roboto" panose="02000000000000000000" pitchFamily="2" charset="0"/>
+                <a:ea typeface="Yu Mincho" panose="02020400000000000000" pitchFamily="18" charset="-128"/>
+                <a:cs typeface="Times New Roman" panose="02020603050405020304" pitchFamily="18" charset="0"/>
+              </a:rPr>
+              <a:t> banner, poster dan lain-lain.</a:t>
             </a:r>
             <a:endParaRPr lang="en-ID" sz="1600" dirty="0">
               <a:effectLst/>
@@ -13552,7 +13461,7 @@
                 <a:ea typeface="Yu Mincho" panose="02020400000000000000" pitchFamily="18" charset="-128"/>
                 <a:cs typeface="Times New Roman" panose="02020603050405020304" pitchFamily="18" charset="0"/>
               </a:rPr>
-              <a:t>Membuat</a:t>
+              <a:t>Pengeditan</a:t>
             </a:r>
             <a:r>
               <a:rPr lang="en-ID" sz="1600" dirty="0">
@@ -13570,7 +13479,7 @@
                 <a:ea typeface="Yu Mincho" panose="02020400000000000000" pitchFamily="18" charset="-128"/>
                 <a:cs typeface="Times New Roman" panose="02020603050405020304" pitchFamily="18" charset="0"/>
               </a:rPr>
-              <a:t>desain</a:t>
+              <a:t>gambar</a:t>
             </a:r>
             <a:r>
               <a:rPr lang="en-ID" sz="1600" dirty="0">
@@ -13588,7 +13497,7 @@
                 <a:ea typeface="Yu Mincho" panose="02020400000000000000" pitchFamily="18" charset="-128"/>
                 <a:cs typeface="Times New Roman" panose="02020603050405020304" pitchFamily="18" charset="0"/>
               </a:rPr>
-              <a:t>menjadi</a:t>
+              <a:t>dasar</a:t>
             </a:r>
             <a:r>
               <a:rPr lang="en-ID" sz="1600" dirty="0">
@@ -13597,61 +13506,7 @@
                 <a:ea typeface="Yu Mincho" panose="02020400000000000000" pitchFamily="18" charset="-128"/>
                 <a:cs typeface="Times New Roman" panose="02020603050405020304" pitchFamily="18" charset="0"/>
               </a:rPr>
-              <a:t> video (</a:t>
-            </a:r>
-            <a:r>
-              <a:rPr lang="en-ID" sz="1600" dirty="0" err="1">
-                <a:effectLst/>
-                <a:latin typeface="Roboto" panose="02000000000000000000" pitchFamily="2" charset="0"/>
-                <a:ea typeface="Yu Mincho" panose="02020400000000000000" pitchFamily="18" charset="-128"/>
-                <a:cs typeface="Times New Roman" panose="02020603050405020304" pitchFamily="18" charset="0"/>
-              </a:rPr>
-              <a:t>menggunakan</a:t>
-            </a:r>
-            <a:r>
-              <a:rPr lang="en-ID" sz="1600" dirty="0">
-                <a:effectLst/>
-                <a:latin typeface="Roboto" panose="02000000000000000000" pitchFamily="2" charset="0"/>
-                <a:ea typeface="Yu Mincho" panose="02020400000000000000" pitchFamily="18" charset="-128"/>
-                <a:cs typeface="Times New Roman" panose="02020603050405020304" pitchFamily="18" charset="0"/>
-              </a:rPr>
-              <a:t> plugin, salah </a:t>
-            </a:r>
-            <a:r>
-              <a:rPr lang="en-ID" sz="1600" dirty="0" err="1">
-                <a:effectLst/>
-                <a:latin typeface="Roboto" panose="02000000000000000000" pitchFamily="2" charset="0"/>
-                <a:ea typeface="Yu Mincho" panose="02020400000000000000" pitchFamily="18" charset="-128"/>
-                <a:cs typeface="Times New Roman" panose="02020603050405020304" pitchFamily="18" charset="0"/>
-              </a:rPr>
-              <a:t>satunya</a:t>
-            </a:r>
-            <a:r>
-              <a:rPr lang="en-ID" sz="1600" dirty="0">
-                <a:effectLst/>
-                <a:latin typeface="Roboto" panose="02000000000000000000" pitchFamily="2" charset="0"/>
-                <a:ea typeface="Yu Mincho" panose="02020400000000000000" pitchFamily="18" charset="-128"/>
-                <a:cs typeface="Times New Roman" panose="02020603050405020304" pitchFamily="18" charset="0"/>
-              </a:rPr>
-              <a:t> </a:t>
-            </a:r>
-            <a:r>
-              <a:rPr lang="en-ID" sz="1600" dirty="0" err="1">
-                <a:effectLst/>
-                <a:latin typeface="Roboto" panose="02000000000000000000" pitchFamily="2" charset="0"/>
-                <a:ea typeface="Yu Mincho" panose="02020400000000000000" pitchFamily="18" charset="-128"/>
-                <a:cs typeface="Times New Roman" panose="02020603050405020304" pitchFamily="18" charset="0"/>
-              </a:rPr>
-              <a:t>adalah</a:t>
-            </a:r>
-            <a:r>
-              <a:rPr lang="en-ID" sz="1600" dirty="0">
-                <a:effectLst/>
-                <a:latin typeface="Roboto" panose="02000000000000000000" pitchFamily="2" charset="0"/>
-                <a:ea typeface="Yu Mincho" panose="02020400000000000000" pitchFamily="18" charset="-128"/>
-                <a:cs typeface="Times New Roman" panose="02020603050405020304" pitchFamily="18" charset="0"/>
-              </a:rPr>
-              <a:t> SUPA)</a:t>
+              <a:t>.</a:t>
             </a:r>
           </a:p>
           <a:p>
@@ -17580,7 +17435,7 @@
         <p:spPr>
           <a:xfrm>
             <a:off x="457200" y="1214458"/>
-            <a:ext cx="8229600" cy="3785652"/>
+            <a:ext cx="8229600" cy="2954655"/>
           </a:xfrm>
           <a:prstGeom prst="rect">
             <a:avLst/>
@@ -17852,14 +17707,14 @@
                 <a:latin typeface="Roboto" panose="02000000000000000000" pitchFamily="2" charset="0"/>
                 <a:ea typeface="Roboto" panose="02000000000000000000" pitchFamily="2" charset="0"/>
               </a:rPr>
-              <a:t> kalian punya project website, kalian </a:t>
+              <a:t> kalian punya project website, </a:t>
             </a:r>
             <a:r>
               <a:rPr lang="en-US" sz="1800" dirty="0" err="1">
                 <a:latin typeface="Roboto" panose="02000000000000000000" pitchFamily="2" charset="0"/>
                 <a:ea typeface="Roboto" panose="02000000000000000000" pitchFamily="2" charset="0"/>
               </a:rPr>
-              <a:t>membuatnya</a:t>
+              <a:t>terus</a:t>
             </a:r>
             <a:r>
               <a:rPr lang="en-US" sz="1800" dirty="0">
@@ -17873,238 +17728,112 @@
                 <a:latin typeface="Roboto" panose="02000000000000000000" pitchFamily="2" charset="0"/>
                 <a:ea typeface="Roboto" panose="02000000000000000000" pitchFamily="2" charset="0"/>
               </a:rPr>
-              <a:t>menggunakan</a:t>
+              <a:t>tiba-tiba</a:t>
             </a:r>
             <a:r>
               <a:rPr lang="en-US" sz="1800" dirty="0">
                 <a:latin typeface="Roboto" panose="02000000000000000000" pitchFamily="2" charset="0"/>
                 <a:ea typeface="Roboto" panose="02000000000000000000" pitchFamily="2" charset="0"/>
               </a:rPr>
-              <a:t> Git. Nah, </a:t>
+              <a:t> laptop kalian </a:t>
             </a:r>
             <a:r>
               <a:rPr lang="en-US" sz="1800" dirty="0" err="1">
                 <a:latin typeface="Roboto" panose="02000000000000000000" pitchFamily="2" charset="0"/>
                 <a:ea typeface="Roboto" panose="02000000000000000000" pitchFamily="2" charset="0"/>
               </a:rPr>
-              <a:t>untuk</a:t>
+              <a:t>dicuri</a:t>
             </a:r>
             <a:r>
               <a:rPr lang="en-US" sz="1800" dirty="0">
                 <a:latin typeface="Roboto" panose="02000000000000000000" pitchFamily="2" charset="0"/>
                 <a:ea typeface="Roboto" panose="02000000000000000000" pitchFamily="2" charset="0"/>
               </a:rPr>
-              <a:t> </a:t>
+              <a:t>. </a:t>
             </a:r>
             <a:r>
               <a:rPr lang="en-US" sz="1800" dirty="0" err="1">
                 <a:latin typeface="Roboto" panose="02000000000000000000" pitchFamily="2" charset="0"/>
                 <a:ea typeface="Roboto" panose="02000000000000000000" pitchFamily="2" charset="0"/>
               </a:rPr>
-              <a:t>tempat</a:t>
+              <a:t>Sedangkan</a:t>
             </a:r>
             <a:r>
               <a:rPr lang="en-US" sz="1800" dirty="0">
                 <a:latin typeface="Roboto" panose="02000000000000000000" pitchFamily="2" charset="0"/>
                 <a:ea typeface="Roboto" panose="02000000000000000000" pitchFamily="2" charset="0"/>
               </a:rPr>
-              <a:t> </a:t>
+              <a:t> project kalian </a:t>
             </a:r>
             <a:r>
               <a:rPr lang="en-US" sz="1800" dirty="0" err="1">
                 <a:latin typeface="Roboto" panose="02000000000000000000" pitchFamily="2" charset="0"/>
                 <a:ea typeface="Roboto" panose="02000000000000000000" pitchFamily="2" charset="0"/>
               </a:rPr>
-              <a:t>menyimpan</a:t>
+              <a:t>ada</a:t>
             </a:r>
             <a:r>
               <a:rPr lang="en-US" sz="1800" dirty="0">
                 <a:latin typeface="Roboto" panose="02000000000000000000" pitchFamily="2" charset="0"/>
                 <a:ea typeface="Roboto" panose="02000000000000000000" pitchFamily="2" charset="0"/>
               </a:rPr>
-              <a:t> </a:t>
+              <a:t> di laptop </a:t>
             </a:r>
             <a:r>
               <a:rPr lang="en-US" sz="1800" dirty="0" err="1">
                 <a:latin typeface="Roboto" panose="02000000000000000000" pitchFamily="2" charset="0"/>
                 <a:ea typeface="Roboto" panose="02000000000000000000" pitchFamily="2" charset="0"/>
               </a:rPr>
-              <a:t>projectnya</a:t>
+              <a:t>itu</a:t>
             </a:r>
             <a:r>
               <a:rPr lang="en-US" sz="1800" dirty="0">
                 <a:latin typeface="Roboto" panose="02000000000000000000" pitchFamily="2" charset="0"/>
                 <a:ea typeface="Roboto" panose="02000000000000000000" pitchFamily="2" charset="0"/>
               </a:rPr>
-              <a:t> </a:t>
+              <a:t>. </a:t>
             </a:r>
             <a:r>
               <a:rPr lang="en-US" sz="1800" dirty="0" err="1">
                 <a:latin typeface="Roboto" panose="02000000000000000000" pitchFamily="2" charset="0"/>
                 <a:ea typeface="Roboto" panose="02000000000000000000" pitchFamily="2" charset="0"/>
               </a:rPr>
-              <a:t>secara</a:t>
+              <a:t>Apa</a:t>
             </a:r>
             <a:r>
               <a:rPr lang="en-US" sz="1800" dirty="0">
                 <a:latin typeface="Roboto" panose="02000000000000000000" pitchFamily="2" charset="0"/>
                 <a:ea typeface="Roboto" panose="02000000000000000000" pitchFamily="2" charset="0"/>
               </a:rPr>
-              <a:t> online, kalian </a:t>
+              <a:t> yang </a:t>
             </a:r>
             <a:r>
               <a:rPr lang="en-US" sz="1800" dirty="0" err="1">
                 <a:latin typeface="Roboto" panose="02000000000000000000" pitchFamily="2" charset="0"/>
                 <a:ea typeface="Roboto" panose="02000000000000000000" pitchFamily="2" charset="0"/>
               </a:rPr>
-              <a:t>bisa</a:t>
+              <a:t>akan</a:t>
             </a:r>
             <a:r>
               <a:rPr lang="en-US" sz="1800" dirty="0">
                 <a:latin typeface="Roboto" panose="02000000000000000000" pitchFamily="2" charset="0"/>
                 <a:ea typeface="Roboto" panose="02000000000000000000" pitchFamily="2" charset="0"/>
               </a:rPr>
-              <a:t> </a:t>
+              <a:t> kalian </a:t>
             </a:r>
             <a:r>
               <a:rPr lang="en-US" sz="1800" dirty="0" err="1">
                 <a:latin typeface="Roboto" panose="02000000000000000000" pitchFamily="2" charset="0"/>
                 <a:ea typeface="Roboto" panose="02000000000000000000" pitchFamily="2" charset="0"/>
               </a:rPr>
-              <a:t>menggunakan</a:t>
+              <a:t>lakukan</a:t>
             </a:r>
             <a:r>
               <a:rPr lang="en-US" sz="1800" dirty="0">
                 <a:latin typeface="Roboto" panose="02000000000000000000" pitchFamily="2" charset="0"/>
                 <a:ea typeface="Roboto" panose="02000000000000000000" pitchFamily="2" charset="0"/>
               </a:rPr>
-              <a:t> GitHub. </a:t>
-            </a:r>
-            <a:r>
-              <a:rPr lang="en-US" sz="1800" dirty="0" err="1">
-                <a:latin typeface="Roboto" panose="02000000000000000000" pitchFamily="2" charset="0"/>
-                <a:ea typeface="Roboto" panose="02000000000000000000" pitchFamily="2" charset="0"/>
-              </a:rPr>
-              <a:t>Buat</a:t>
-            </a:r>
-            <a:r>
-              <a:rPr lang="en-US" sz="1800" dirty="0">
-                <a:latin typeface="Roboto" panose="02000000000000000000" pitchFamily="2" charset="0"/>
-                <a:ea typeface="Roboto" panose="02000000000000000000" pitchFamily="2" charset="0"/>
-              </a:rPr>
-              <a:t> jaga-jaga </a:t>
-            </a:r>
-            <a:r>
-              <a:rPr lang="en-US" sz="1800" dirty="0" err="1">
-                <a:latin typeface="Roboto" panose="02000000000000000000" pitchFamily="2" charset="0"/>
-                <a:ea typeface="Roboto" panose="02000000000000000000" pitchFamily="2" charset="0"/>
-              </a:rPr>
-              <a:t>jika</a:t>
-            </a:r>
-            <a:r>
-              <a:rPr lang="en-US" sz="1800" dirty="0">
-                <a:latin typeface="Roboto" panose="02000000000000000000" pitchFamily="2" charset="0"/>
-                <a:ea typeface="Roboto" panose="02000000000000000000" pitchFamily="2" charset="0"/>
-              </a:rPr>
-              <a:t> </a:t>
-            </a:r>
-            <a:r>
-              <a:rPr lang="en-US" sz="1800" dirty="0" err="1">
-                <a:latin typeface="Roboto" panose="02000000000000000000" pitchFamily="2" charset="0"/>
-                <a:ea typeface="Roboto" panose="02000000000000000000" pitchFamily="2" charset="0"/>
-              </a:rPr>
-              <a:t>komputer</a:t>
-            </a:r>
-            <a:r>
-              <a:rPr lang="en-US" sz="1800" dirty="0">
-                <a:latin typeface="Roboto" panose="02000000000000000000" pitchFamily="2" charset="0"/>
-                <a:ea typeface="Roboto" panose="02000000000000000000" pitchFamily="2" charset="0"/>
-              </a:rPr>
-              <a:t> kalian </a:t>
-            </a:r>
-            <a:r>
-              <a:rPr lang="en-US" sz="1800" dirty="0" err="1">
-                <a:latin typeface="Roboto" panose="02000000000000000000" pitchFamily="2" charset="0"/>
-                <a:ea typeface="Roboto" panose="02000000000000000000" pitchFamily="2" charset="0"/>
-              </a:rPr>
-              <a:t>dicuri</a:t>
-            </a:r>
-            <a:r>
-              <a:rPr lang="en-US" sz="1800" dirty="0">
-                <a:latin typeface="Roboto" panose="02000000000000000000" pitchFamily="2" charset="0"/>
-                <a:ea typeface="Roboto" panose="02000000000000000000" pitchFamily="2" charset="0"/>
-              </a:rPr>
-              <a:t>, </a:t>
-            </a:r>
-            <a:r>
-              <a:rPr lang="en-US" sz="1800" dirty="0" err="1">
-                <a:latin typeface="Roboto" panose="02000000000000000000" pitchFamily="2" charset="0"/>
-                <a:ea typeface="Roboto" panose="02000000000000000000" pitchFamily="2" charset="0"/>
-              </a:rPr>
-              <a:t>kan</a:t>
-            </a:r>
-            <a:r>
-              <a:rPr lang="en-US" sz="1800" dirty="0">
-                <a:latin typeface="Roboto" panose="02000000000000000000" pitchFamily="2" charset="0"/>
-                <a:ea typeface="Roboto" panose="02000000000000000000" pitchFamily="2" charset="0"/>
-              </a:rPr>
-              <a:t> </a:t>
-            </a:r>
-            <a:r>
-              <a:rPr lang="en-US" sz="1800" dirty="0" err="1">
-                <a:latin typeface="Roboto" panose="02000000000000000000" pitchFamily="2" charset="0"/>
-                <a:ea typeface="Roboto" panose="02000000000000000000" pitchFamily="2" charset="0"/>
-              </a:rPr>
-              <a:t>otomatis</a:t>
-            </a:r>
-            <a:r>
-              <a:rPr lang="en-US" sz="1800" dirty="0">
-                <a:latin typeface="Roboto" panose="02000000000000000000" pitchFamily="2" charset="0"/>
-                <a:ea typeface="Roboto" panose="02000000000000000000" pitchFamily="2" charset="0"/>
-              </a:rPr>
-              <a:t> project </a:t>
-            </a:r>
-            <a:r>
-              <a:rPr lang="en-US" sz="1800" dirty="0" err="1">
-                <a:latin typeface="Roboto" panose="02000000000000000000" pitchFamily="2" charset="0"/>
-                <a:ea typeface="Roboto" panose="02000000000000000000" pitchFamily="2" charset="0"/>
-              </a:rPr>
-              <a:t>kita</a:t>
-            </a:r>
-            <a:r>
-              <a:rPr lang="en-US" sz="1800" dirty="0">
-                <a:latin typeface="Roboto" panose="02000000000000000000" pitchFamily="2" charset="0"/>
-                <a:ea typeface="Roboto" panose="02000000000000000000" pitchFamily="2" charset="0"/>
-              </a:rPr>
-              <a:t> </a:t>
-            </a:r>
-            <a:r>
-              <a:rPr lang="en-US" sz="1800" dirty="0" err="1">
-                <a:latin typeface="Roboto" panose="02000000000000000000" pitchFamily="2" charset="0"/>
-                <a:ea typeface="Roboto" panose="02000000000000000000" pitchFamily="2" charset="0"/>
-              </a:rPr>
-              <a:t>ikut</a:t>
-            </a:r>
-            <a:r>
-              <a:rPr lang="en-US" sz="1800" dirty="0">
-                <a:latin typeface="Roboto" panose="02000000000000000000" pitchFamily="2" charset="0"/>
-                <a:ea typeface="Roboto" panose="02000000000000000000" pitchFamily="2" charset="0"/>
-              </a:rPr>
-              <a:t> </a:t>
-            </a:r>
-            <a:r>
-              <a:rPr lang="en-US" sz="1800" dirty="0" err="1">
-                <a:latin typeface="Roboto" panose="02000000000000000000" pitchFamily="2" charset="0"/>
-                <a:ea typeface="Roboto" panose="02000000000000000000" pitchFamily="2" charset="0"/>
-              </a:rPr>
-              <a:t>hilang</a:t>
-            </a:r>
-            <a:r>
-              <a:rPr lang="en-US" sz="1800" dirty="0">
-                <a:latin typeface="Roboto" panose="02000000000000000000" pitchFamily="2" charset="0"/>
-                <a:ea typeface="Roboto" panose="02000000000000000000" pitchFamily="2" charset="0"/>
-              </a:rPr>
-              <a:t>.</a:t>
+              <a:t>?</a:t>
             </a:r>
           </a:p>
         </p:txBody>
@@ -18719,8 +18448,8 @@
               <a:spcAft>
                 <a:spcPts val="0"/>
               </a:spcAft>
-              <a:buFont typeface="Symbol" panose="05050102010706020507" pitchFamily="18" charset="2"/>
-              <a:buChar char=""/>
+              <a:buFont typeface="+mj-lt"/>
+              <a:buAutoNum type="arabicPeriod"/>
             </a:pPr>
             <a:r>
               <a:rPr lang="en-ID" sz="1800" dirty="0" err="1">
@@ -18806,8 +18535,8 @@
               <a:spcAft>
                 <a:spcPts val="0"/>
               </a:spcAft>
-              <a:buFont typeface="Symbol" panose="05050102010706020507" pitchFamily="18" charset="2"/>
-              <a:buChar char=""/>
+              <a:buFont typeface="+mj-lt"/>
+              <a:buAutoNum type="arabicPeriod"/>
             </a:pPr>
             <a:r>
               <a:rPr lang="en-ID" sz="1800" dirty="0" err="1">
@@ -18947,8 +18676,8 @@
               <a:spcAft>
                 <a:spcPts val="0"/>
               </a:spcAft>
-              <a:buFont typeface="Symbol" panose="05050102010706020507" pitchFamily="18" charset="2"/>
-              <a:buChar char=""/>
+              <a:buFont typeface="+mj-lt"/>
+              <a:buAutoNum type="arabicPeriod"/>
             </a:pPr>
             <a:r>
               <a:rPr lang="en-ID" sz="1800" dirty="0" err="1">
@@ -19032,8 +18761,8 @@
               <a:spcAft>
                 <a:spcPts val="800"/>
               </a:spcAft>
-              <a:buFont typeface="Symbol" panose="05050102010706020507" pitchFamily="18" charset="2"/>
-              <a:buChar char=""/>
+              <a:buFont typeface="+mj-lt"/>
+              <a:buAutoNum type="arabicPeriod"/>
             </a:pPr>
             <a:r>
               <a:rPr lang="en-ID" sz="1800" dirty="0" err="1">
@@ -19647,843 +19376,6 @@
 </p:sld>
 </file>
 
-<file path=ppt/slides/slide19.xml><?xml version="1.0" encoding="utf-8"?>
-<p:sld xmlns:a="http://schemas.openxmlformats.org/drawingml/2006/main" xmlns:r="http://schemas.openxmlformats.org/officeDocument/2006/relationships" xmlns:p="http://schemas.openxmlformats.org/presentationml/2006/main">
-  <p:cSld>
-    <p:spTree>
-      <p:nvGrpSpPr>
-        <p:cNvPr id="1" name="Shape 140"/>
-        <p:cNvGrpSpPr/>
-        <p:nvPr/>
-      </p:nvGrpSpPr>
-      <p:grpSpPr>
-        <a:xfrm>
-          <a:off x="0" y="0"/>
-          <a:ext cx="0" cy="0"/>
-          <a:chOff x="0" y="0"/>
-          <a:chExt cx="0" cy="0"/>
-        </a:xfrm>
-      </p:grpSpPr>
-      <p:pic>
-        <p:nvPicPr>
-          <p:cNvPr id="4" name="Picture 2" descr="Logo Unpam | UNIVERSITAS PAMULANG">
-            <a:extLst>
-              <a:ext uri="{FF2B5EF4-FFF2-40B4-BE49-F238E27FC236}">
-                <a16:creationId xmlns:a16="http://schemas.microsoft.com/office/drawing/2014/main" id="{7BB572A9-F451-9492-8EF9-7FCE033A3A6A}"/>
-              </a:ext>
-            </a:extLst>
-          </p:cNvPr>
-          <p:cNvPicPr>
-            <a:picLocks noChangeAspect="1" noChangeArrowheads="1"/>
-          </p:cNvPicPr>
-          <p:nvPr/>
-        </p:nvPicPr>
-        <p:blipFill>
-          <a:blip r:embed="rId3">
-            <a:extLst>
-              <a:ext uri="{28A0092B-C50C-407E-A947-70E740481C1C}">
-                <a14:useLocalDpi xmlns:a14="http://schemas.microsoft.com/office/drawing/2010/main" val="0"/>
-              </a:ext>
-            </a:extLst>
-          </a:blip>
-          <a:srcRect/>
-          <a:stretch>
-            <a:fillRect/>
-          </a:stretch>
-        </p:blipFill>
-        <p:spPr bwMode="auto">
-          <a:xfrm>
-            <a:off x="7991915" y="169335"/>
-            <a:ext cx="926305" cy="898516"/>
-          </a:xfrm>
-          <a:prstGeom prst="rect">
-            <a:avLst/>
-          </a:prstGeom>
-          <a:noFill/>
-          <a:extLst>
-            <a:ext uri="{909E8E84-426E-40DD-AFC4-6F175D3DCCD1}">
-              <a14:hiddenFill xmlns:a14="http://schemas.microsoft.com/office/drawing/2010/main">
-                <a:solidFill>
-                  <a:srgbClr val="FFFFFF"/>
-                </a:solidFill>
-              </a14:hiddenFill>
-            </a:ext>
-          </a:extLst>
-        </p:spPr>
-      </p:pic>
-      <p:pic>
-        <p:nvPicPr>
-          <p:cNvPr id="5" name="Picture 4" descr="Al Amanah Al Bantani – Lembaga Pendidikan Islam">
-            <a:extLst>
-              <a:ext uri="{FF2B5EF4-FFF2-40B4-BE49-F238E27FC236}">
-                <a16:creationId xmlns:a16="http://schemas.microsoft.com/office/drawing/2014/main" id="{10643E03-DD68-CE8A-AFA9-35DCFA2A2FEB}"/>
-              </a:ext>
-            </a:extLst>
-          </p:cNvPr>
-          <p:cNvPicPr>
-            <a:picLocks noChangeAspect="1" noChangeArrowheads="1"/>
-          </p:cNvPicPr>
-          <p:nvPr/>
-        </p:nvPicPr>
-        <p:blipFill>
-          <a:blip r:embed="rId4">
-            <a:extLst>
-              <a:ext uri="{28A0092B-C50C-407E-A947-70E740481C1C}">
-                <a14:useLocalDpi xmlns:a14="http://schemas.microsoft.com/office/drawing/2010/main" val="0"/>
-              </a:ext>
-            </a:extLst>
-          </a:blip>
-          <a:srcRect/>
-          <a:stretch>
-            <a:fillRect/>
-          </a:stretch>
-        </p:blipFill>
-        <p:spPr bwMode="auto">
-          <a:xfrm>
-            <a:off x="6886477" y="169335"/>
-            <a:ext cx="879658" cy="898516"/>
-          </a:xfrm>
-          <a:prstGeom prst="rect">
-            <a:avLst/>
-          </a:prstGeom>
-          <a:noFill/>
-          <a:extLst>
-            <a:ext uri="{909E8E84-426E-40DD-AFC4-6F175D3DCCD1}">
-              <a14:hiddenFill xmlns:a14="http://schemas.microsoft.com/office/drawing/2010/main">
-                <a:solidFill>
-                  <a:srgbClr val="FFFFFF"/>
-                </a:solidFill>
-              </a14:hiddenFill>
-            </a:ext>
-          </a:extLst>
-        </p:spPr>
-      </p:pic>
-      <p:sp>
-        <p:nvSpPr>
-          <p:cNvPr id="2" name="Google Shape;93;p16">
-            <a:extLst>
-              <a:ext uri="{FF2B5EF4-FFF2-40B4-BE49-F238E27FC236}">
-                <a16:creationId xmlns:a16="http://schemas.microsoft.com/office/drawing/2014/main" id="{DE213E88-4562-2770-F110-26FC595A4422}"/>
-              </a:ext>
-            </a:extLst>
-          </p:cNvPr>
-          <p:cNvSpPr txBox="1">
-            <a:spLocks/>
-          </p:cNvSpPr>
-          <p:nvPr/>
-        </p:nvSpPr>
-        <p:spPr>
-          <a:xfrm>
-            <a:off x="457200" y="582933"/>
-            <a:ext cx="8229600" cy="481500"/>
-          </a:xfrm>
-          <a:prstGeom prst="rect">
-            <a:avLst/>
-          </a:prstGeom>
-          <a:noFill/>
-          <a:ln>
-            <a:noFill/>
-          </a:ln>
-        </p:spPr>
-        <p:txBody>
-          <a:bodyPr spcFirstLastPara="1" wrap="square" lIns="91425" tIns="91425" rIns="91425" bIns="91425" anchor="ctr" anchorCtr="0">
-            <a:noAutofit/>
-          </a:bodyPr>
-          <a:lstStyle>
-            <a:defPPr marR="0" lvl="0" algn="l" rtl="0">
-              <a:lnSpc>
-                <a:spcPct val="100000"/>
-              </a:lnSpc>
-              <a:spcBef>
-                <a:spcPts val="0"/>
-              </a:spcBef>
-              <a:spcAft>
-                <a:spcPts val="0"/>
-              </a:spcAft>
-            </a:defPPr>
-            <a:lvl1pPr marR="0" lvl="0" algn="ctr" rtl="0">
-              <a:lnSpc>
-                <a:spcPct val="100000"/>
-              </a:lnSpc>
-              <a:spcBef>
-                <a:spcPts val="0"/>
-              </a:spcBef>
-              <a:spcAft>
-                <a:spcPts val="0"/>
-              </a:spcAft>
-              <a:buClr>
-                <a:srgbClr val="000000"/>
-              </a:buClr>
-              <a:buSzPts val="3000"/>
-              <a:buFont typeface="Fira Sans Extra Condensed"/>
-              <a:buNone/>
-              <a:defRPr sz="3000" b="1" i="0" u="none" strike="noStrike" cap="none">
-                <a:solidFill>
-                  <a:srgbClr val="000000"/>
-                </a:solidFill>
-                <a:latin typeface="Fira Sans Extra Condensed"/>
-                <a:ea typeface="Fira Sans Extra Condensed"/>
-                <a:cs typeface="Fira Sans Extra Condensed"/>
-                <a:sym typeface="Fira Sans Extra Condensed"/>
-              </a:defRPr>
-            </a:lvl1pPr>
-            <a:lvl2pPr marR="0" lvl="1" algn="ctr" rtl="0">
-              <a:lnSpc>
-                <a:spcPct val="100000"/>
-              </a:lnSpc>
-              <a:spcBef>
-                <a:spcPts val="0"/>
-              </a:spcBef>
-              <a:spcAft>
-                <a:spcPts val="0"/>
-              </a:spcAft>
-              <a:buClr>
-                <a:srgbClr val="000000"/>
-              </a:buClr>
-              <a:buSzPts val="3000"/>
-              <a:buFont typeface="Fira Sans Extra Condensed"/>
-              <a:buNone/>
-              <a:defRPr sz="3000" b="1" i="0" u="none" strike="noStrike" cap="none">
-                <a:solidFill>
-                  <a:srgbClr val="000000"/>
-                </a:solidFill>
-                <a:latin typeface="Fira Sans Extra Condensed"/>
-                <a:ea typeface="Fira Sans Extra Condensed"/>
-                <a:cs typeface="Fira Sans Extra Condensed"/>
-                <a:sym typeface="Fira Sans Extra Condensed"/>
-              </a:defRPr>
-            </a:lvl2pPr>
-            <a:lvl3pPr marR="0" lvl="2" algn="ctr" rtl="0">
-              <a:lnSpc>
-                <a:spcPct val="100000"/>
-              </a:lnSpc>
-              <a:spcBef>
-                <a:spcPts val="0"/>
-              </a:spcBef>
-              <a:spcAft>
-                <a:spcPts val="0"/>
-              </a:spcAft>
-              <a:buClr>
-                <a:srgbClr val="000000"/>
-              </a:buClr>
-              <a:buSzPts val="3000"/>
-              <a:buFont typeface="Fira Sans Extra Condensed"/>
-              <a:buNone/>
-              <a:defRPr sz="3000" b="1" i="0" u="none" strike="noStrike" cap="none">
-                <a:solidFill>
-                  <a:srgbClr val="000000"/>
-                </a:solidFill>
-                <a:latin typeface="Fira Sans Extra Condensed"/>
-                <a:ea typeface="Fira Sans Extra Condensed"/>
-                <a:cs typeface="Fira Sans Extra Condensed"/>
-                <a:sym typeface="Fira Sans Extra Condensed"/>
-              </a:defRPr>
-            </a:lvl3pPr>
-            <a:lvl4pPr marR="0" lvl="3" algn="ctr" rtl="0">
-              <a:lnSpc>
-                <a:spcPct val="100000"/>
-              </a:lnSpc>
-              <a:spcBef>
-                <a:spcPts val="0"/>
-              </a:spcBef>
-              <a:spcAft>
-                <a:spcPts val="0"/>
-              </a:spcAft>
-              <a:buClr>
-                <a:srgbClr val="000000"/>
-              </a:buClr>
-              <a:buSzPts val="3000"/>
-              <a:buFont typeface="Fira Sans Extra Condensed"/>
-              <a:buNone/>
-              <a:defRPr sz="3000" b="1" i="0" u="none" strike="noStrike" cap="none">
-                <a:solidFill>
-                  <a:srgbClr val="000000"/>
-                </a:solidFill>
-                <a:latin typeface="Fira Sans Extra Condensed"/>
-                <a:ea typeface="Fira Sans Extra Condensed"/>
-                <a:cs typeface="Fira Sans Extra Condensed"/>
-                <a:sym typeface="Fira Sans Extra Condensed"/>
-              </a:defRPr>
-            </a:lvl4pPr>
-            <a:lvl5pPr marR="0" lvl="4" algn="ctr" rtl="0">
-              <a:lnSpc>
-                <a:spcPct val="100000"/>
-              </a:lnSpc>
-              <a:spcBef>
-                <a:spcPts val="0"/>
-              </a:spcBef>
-              <a:spcAft>
-                <a:spcPts val="0"/>
-              </a:spcAft>
-              <a:buClr>
-                <a:srgbClr val="000000"/>
-              </a:buClr>
-              <a:buSzPts val="3000"/>
-              <a:buFont typeface="Fira Sans Extra Condensed"/>
-              <a:buNone/>
-              <a:defRPr sz="3000" b="1" i="0" u="none" strike="noStrike" cap="none">
-                <a:solidFill>
-                  <a:srgbClr val="000000"/>
-                </a:solidFill>
-                <a:latin typeface="Fira Sans Extra Condensed"/>
-                <a:ea typeface="Fira Sans Extra Condensed"/>
-                <a:cs typeface="Fira Sans Extra Condensed"/>
-                <a:sym typeface="Fira Sans Extra Condensed"/>
-              </a:defRPr>
-            </a:lvl5pPr>
-            <a:lvl6pPr marR="0" lvl="5" algn="ctr" rtl="0">
-              <a:lnSpc>
-                <a:spcPct val="100000"/>
-              </a:lnSpc>
-              <a:spcBef>
-                <a:spcPts val="0"/>
-              </a:spcBef>
-              <a:spcAft>
-                <a:spcPts val="0"/>
-              </a:spcAft>
-              <a:buClr>
-                <a:srgbClr val="000000"/>
-              </a:buClr>
-              <a:buSzPts val="3000"/>
-              <a:buFont typeface="Fira Sans Extra Condensed"/>
-              <a:buNone/>
-              <a:defRPr sz="3000" b="1" i="0" u="none" strike="noStrike" cap="none">
-                <a:solidFill>
-                  <a:srgbClr val="000000"/>
-                </a:solidFill>
-                <a:latin typeface="Fira Sans Extra Condensed"/>
-                <a:ea typeface="Fira Sans Extra Condensed"/>
-                <a:cs typeface="Fira Sans Extra Condensed"/>
-                <a:sym typeface="Fira Sans Extra Condensed"/>
-              </a:defRPr>
-            </a:lvl6pPr>
-            <a:lvl7pPr marR="0" lvl="6" algn="ctr" rtl="0">
-              <a:lnSpc>
-                <a:spcPct val="100000"/>
-              </a:lnSpc>
-              <a:spcBef>
-                <a:spcPts val="0"/>
-              </a:spcBef>
-              <a:spcAft>
-                <a:spcPts val="0"/>
-              </a:spcAft>
-              <a:buClr>
-                <a:srgbClr val="000000"/>
-              </a:buClr>
-              <a:buSzPts val="3000"/>
-              <a:buFont typeface="Fira Sans Extra Condensed"/>
-              <a:buNone/>
-              <a:defRPr sz="3000" b="1" i="0" u="none" strike="noStrike" cap="none">
-                <a:solidFill>
-                  <a:srgbClr val="000000"/>
-                </a:solidFill>
-                <a:latin typeface="Fira Sans Extra Condensed"/>
-                <a:ea typeface="Fira Sans Extra Condensed"/>
-                <a:cs typeface="Fira Sans Extra Condensed"/>
-                <a:sym typeface="Fira Sans Extra Condensed"/>
-              </a:defRPr>
-            </a:lvl7pPr>
-            <a:lvl8pPr marR="0" lvl="7" algn="ctr" rtl="0">
-              <a:lnSpc>
-                <a:spcPct val="100000"/>
-              </a:lnSpc>
-              <a:spcBef>
-                <a:spcPts val="0"/>
-              </a:spcBef>
-              <a:spcAft>
-                <a:spcPts val="0"/>
-              </a:spcAft>
-              <a:buClr>
-                <a:srgbClr val="000000"/>
-              </a:buClr>
-              <a:buSzPts val="3000"/>
-              <a:buFont typeface="Fira Sans Extra Condensed"/>
-              <a:buNone/>
-              <a:defRPr sz="3000" b="1" i="0" u="none" strike="noStrike" cap="none">
-                <a:solidFill>
-                  <a:srgbClr val="000000"/>
-                </a:solidFill>
-                <a:latin typeface="Fira Sans Extra Condensed"/>
-                <a:ea typeface="Fira Sans Extra Condensed"/>
-                <a:cs typeface="Fira Sans Extra Condensed"/>
-                <a:sym typeface="Fira Sans Extra Condensed"/>
-              </a:defRPr>
-            </a:lvl8pPr>
-            <a:lvl9pPr marR="0" lvl="8" algn="ctr" rtl="0">
-              <a:lnSpc>
-                <a:spcPct val="100000"/>
-              </a:lnSpc>
-              <a:spcBef>
-                <a:spcPts val="0"/>
-              </a:spcBef>
-              <a:spcAft>
-                <a:spcPts val="0"/>
-              </a:spcAft>
-              <a:buClr>
-                <a:srgbClr val="000000"/>
-              </a:buClr>
-              <a:buSzPts val="3000"/>
-              <a:buFont typeface="Fira Sans Extra Condensed"/>
-              <a:buNone/>
-              <a:defRPr sz="3000" b="1" i="0" u="none" strike="noStrike" cap="none">
-                <a:solidFill>
-                  <a:srgbClr val="000000"/>
-                </a:solidFill>
-                <a:latin typeface="Fira Sans Extra Condensed"/>
-                <a:ea typeface="Fira Sans Extra Condensed"/>
-                <a:cs typeface="Fira Sans Extra Condensed"/>
-                <a:sym typeface="Fira Sans Extra Condensed"/>
-              </a:defRPr>
-            </a:lvl9pPr>
-          </a:lstStyle>
-          <a:p>
-            <a:r>
-              <a:rPr lang="en" dirty="0">
-                <a:solidFill>
-                  <a:schemeClr val="dk1"/>
-                </a:solidFill>
-              </a:rPr>
-              <a:t>Absensi</a:t>
-            </a:r>
-            <a:endParaRPr lang="fi-FI" dirty="0">
-              <a:solidFill>
-                <a:schemeClr val="dk1"/>
-              </a:solidFill>
-            </a:endParaRPr>
-          </a:p>
-        </p:txBody>
-      </p:sp>
-      <p:sp>
-        <p:nvSpPr>
-          <p:cNvPr id="3" name="TextBox 2">
-            <a:extLst>
-              <a:ext uri="{FF2B5EF4-FFF2-40B4-BE49-F238E27FC236}">
-                <a16:creationId xmlns:a16="http://schemas.microsoft.com/office/drawing/2014/main" id="{DE9FD596-DE0F-1E3F-AB0E-347137D940FC}"/>
-              </a:ext>
-            </a:extLst>
-          </p:cNvPr>
-          <p:cNvSpPr txBox="1"/>
-          <p:nvPr/>
-        </p:nvSpPr>
-        <p:spPr>
-          <a:xfrm>
-            <a:off x="457199" y="1214458"/>
-            <a:ext cx="8229599" cy="3211135"/>
-          </a:xfrm>
-          <a:prstGeom prst="rect">
-            <a:avLst/>
-          </a:prstGeom>
-          <a:noFill/>
-        </p:spPr>
-        <p:txBody>
-          <a:bodyPr wrap="square" rtlCol="0">
-            <a:spAutoFit/>
-          </a:bodyPr>
-          <a:lstStyle/>
-          <a:p>
-            <a:pPr marR="0" algn="just">
-              <a:lnSpc>
-                <a:spcPct val="150000"/>
-              </a:lnSpc>
-              <a:spcBef>
-                <a:spcPts val="0"/>
-              </a:spcBef>
-              <a:spcAft>
-                <a:spcPts val="800"/>
-              </a:spcAft>
-            </a:pPr>
-            <a:r>
-              <a:rPr lang="en-ID" sz="3200" dirty="0">
-                <a:effectLst/>
-                <a:latin typeface="Roboto" panose="02000000000000000000" pitchFamily="2" charset="0"/>
-                <a:ea typeface="Yu Mincho" panose="02020400000000000000" pitchFamily="18" charset="-128"/>
-                <a:cs typeface="Times New Roman" panose="02020603050405020304" pitchFamily="18" charset="0"/>
-              </a:rPr>
-              <a:t>Link </a:t>
-            </a:r>
-            <a:r>
-              <a:rPr lang="en-ID" sz="3200" dirty="0" err="1">
-                <a:effectLst/>
-                <a:latin typeface="Roboto" panose="02000000000000000000" pitchFamily="2" charset="0"/>
-                <a:ea typeface="Yu Mincho" panose="02020400000000000000" pitchFamily="18" charset="-128"/>
-                <a:cs typeface="Times New Roman" panose="02020603050405020304" pitchFamily="18" charset="0"/>
-              </a:rPr>
-              <a:t>Absensi</a:t>
-            </a:r>
-            <a:r>
-              <a:rPr lang="en-ID" sz="3200" dirty="0">
-                <a:effectLst/>
-                <a:latin typeface="Roboto" panose="02000000000000000000" pitchFamily="2" charset="0"/>
-                <a:ea typeface="Yu Mincho" panose="02020400000000000000" pitchFamily="18" charset="-128"/>
-                <a:cs typeface="Times New Roman" panose="02020603050405020304" pitchFamily="18" charset="0"/>
-              </a:rPr>
-              <a:t>:</a:t>
-            </a:r>
-          </a:p>
-          <a:p>
-            <a:pPr marR="0" algn="just">
-              <a:lnSpc>
-                <a:spcPct val="150000"/>
-              </a:lnSpc>
-              <a:spcBef>
-                <a:spcPts val="0"/>
-              </a:spcBef>
-              <a:spcAft>
-                <a:spcPts val="800"/>
-              </a:spcAft>
-            </a:pPr>
-            <a:r>
-              <a:rPr lang="en-ID" sz="3200" dirty="0">
-                <a:highlight>
-                  <a:srgbClr val="FFFF00"/>
-                </a:highlight>
-                <a:latin typeface="Roboto" panose="02000000000000000000" pitchFamily="2" charset="0"/>
-                <a:ea typeface="Yu Mincho" panose="02020400000000000000" pitchFamily="18" charset="-128"/>
-                <a:cs typeface="Times New Roman" panose="02020603050405020304" pitchFamily="18" charset="0"/>
-              </a:rPr>
-              <a:t>bit.ly/</a:t>
-            </a:r>
-            <a:r>
-              <a:rPr lang="en-ID" sz="3200" dirty="0" err="1">
-                <a:highlight>
-                  <a:srgbClr val="FFFF00"/>
-                </a:highlight>
-                <a:latin typeface="Roboto" panose="02000000000000000000" pitchFamily="2" charset="0"/>
-                <a:ea typeface="Yu Mincho" panose="02020400000000000000" pitchFamily="18" charset="-128"/>
-                <a:cs typeface="Times New Roman" panose="02020603050405020304" pitchFamily="18" charset="0"/>
-              </a:rPr>
-              <a:t>absensi</a:t>
-            </a:r>
-            <a:r>
-              <a:rPr lang="en-ID" sz="3200" dirty="0">
-                <a:highlight>
-                  <a:srgbClr val="FFFF00"/>
-                </a:highlight>
-                <a:latin typeface="Roboto" panose="02000000000000000000" pitchFamily="2" charset="0"/>
-                <a:ea typeface="Yu Mincho" panose="02020400000000000000" pitchFamily="18" charset="-128"/>
-                <a:cs typeface="Times New Roman" panose="02020603050405020304" pitchFamily="18" charset="0"/>
-              </a:rPr>
-              <a:t>-</a:t>
-            </a:r>
-            <a:r>
-              <a:rPr lang="en-ID" sz="3200" dirty="0" err="1">
-                <a:highlight>
-                  <a:srgbClr val="FFFF00"/>
-                </a:highlight>
-                <a:latin typeface="Roboto" panose="02000000000000000000" pitchFamily="2" charset="0"/>
-                <a:ea typeface="Yu Mincho" panose="02020400000000000000" pitchFamily="18" charset="-128"/>
-                <a:cs typeface="Times New Roman" panose="02020603050405020304" pitchFamily="18" charset="0"/>
-              </a:rPr>
-              <a:t>awal</a:t>
-            </a:r>
-            <a:r>
-              <a:rPr lang="en-ID" sz="3200" dirty="0">
-                <a:highlight>
-                  <a:srgbClr val="FFFF00"/>
-                </a:highlight>
-                <a:latin typeface="Roboto" panose="02000000000000000000" pitchFamily="2" charset="0"/>
-                <a:ea typeface="Yu Mincho" panose="02020400000000000000" pitchFamily="18" charset="-128"/>
-                <a:cs typeface="Times New Roman" panose="02020603050405020304" pitchFamily="18" charset="0"/>
-              </a:rPr>
-              <a:t>-workshop-</a:t>
-            </a:r>
-            <a:r>
-              <a:rPr lang="en-ID" sz="3200" dirty="0" err="1">
-                <a:highlight>
-                  <a:srgbClr val="FFFF00"/>
-                </a:highlight>
-                <a:latin typeface="Roboto" panose="02000000000000000000" pitchFamily="2" charset="0"/>
-                <a:ea typeface="Yu Mincho" panose="02020400000000000000" pitchFamily="18" charset="-128"/>
-                <a:cs typeface="Times New Roman" panose="02020603050405020304" pitchFamily="18" charset="0"/>
-              </a:rPr>
-              <a:t>unpam</a:t>
-            </a:r>
-            <a:endParaRPr lang="en-ID" sz="3200" dirty="0">
-              <a:highlight>
-                <a:srgbClr val="FFFF00"/>
-              </a:highlight>
-              <a:latin typeface="Roboto" panose="02000000000000000000" pitchFamily="2" charset="0"/>
-              <a:ea typeface="Yu Mincho" panose="02020400000000000000" pitchFamily="18" charset="-128"/>
-              <a:cs typeface="Times New Roman" panose="02020603050405020304" pitchFamily="18" charset="0"/>
-            </a:endParaRPr>
-          </a:p>
-          <a:p>
-            <a:pPr marR="0" algn="just">
-              <a:lnSpc>
-                <a:spcPct val="150000"/>
-              </a:lnSpc>
-              <a:spcBef>
-                <a:spcPts val="0"/>
-              </a:spcBef>
-              <a:spcAft>
-                <a:spcPts val="800"/>
-              </a:spcAft>
-            </a:pPr>
-            <a:r>
-              <a:rPr lang="en-ID" sz="2000" dirty="0">
-                <a:latin typeface="Roboto" panose="02000000000000000000" pitchFamily="2" charset="0"/>
-                <a:ea typeface="Yu Mincho" panose="02020400000000000000" pitchFamily="18" charset="-128"/>
-                <a:cs typeface="Times New Roman" panose="02020603050405020304" pitchFamily="18" charset="0"/>
-              </a:rPr>
-              <a:t>Note:</a:t>
-            </a:r>
-          </a:p>
-          <a:p>
-            <a:pPr marR="0" algn="just">
-              <a:lnSpc>
-                <a:spcPct val="150000"/>
-              </a:lnSpc>
-              <a:spcBef>
-                <a:spcPts val="0"/>
-              </a:spcBef>
-              <a:spcAft>
-                <a:spcPts val="800"/>
-              </a:spcAft>
-            </a:pPr>
-            <a:r>
-              <a:rPr lang="en-ID" sz="2000" dirty="0" err="1">
-                <a:latin typeface="Roboto" panose="02000000000000000000" pitchFamily="2" charset="0"/>
-                <a:ea typeface="Yu Mincho" panose="02020400000000000000" pitchFamily="18" charset="-128"/>
-                <a:cs typeface="Times New Roman" panose="02020603050405020304" pitchFamily="18" charset="0"/>
-              </a:rPr>
-              <a:t>Setelah</a:t>
-            </a:r>
-            <a:r>
-              <a:rPr lang="en-ID" sz="2000" dirty="0">
-                <a:latin typeface="Roboto" panose="02000000000000000000" pitchFamily="2" charset="0"/>
-                <a:ea typeface="Yu Mincho" panose="02020400000000000000" pitchFamily="18" charset="-128"/>
-                <a:cs typeface="Times New Roman" panose="02020603050405020304" pitchFamily="18" charset="0"/>
-              </a:rPr>
-              <a:t> </a:t>
-            </a:r>
-            <a:r>
-              <a:rPr lang="en-ID" sz="2000" dirty="0" err="1">
-                <a:latin typeface="Roboto" panose="02000000000000000000" pitchFamily="2" charset="0"/>
-                <a:ea typeface="Yu Mincho" panose="02020400000000000000" pitchFamily="18" charset="-128"/>
-                <a:cs typeface="Times New Roman" panose="02020603050405020304" pitchFamily="18" charset="0"/>
-              </a:rPr>
-              <a:t>membuka</a:t>
-            </a:r>
-            <a:r>
-              <a:rPr lang="en-ID" sz="2000" dirty="0">
-                <a:latin typeface="Roboto" panose="02000000000000000000" pitchFamily="2" charset="0"/>
-                <a:ea typeface="Yu Mincho" panose="02020400000000000000" pitchFamily="18" charset="-128"/>
-                <a:cs typeface="Times New Roman" panose="02020603050405020304" pitchFamily="18" charset="0"/>
-              </a:rPr>
-              <a:t> link, </a:t>
-            </a:r>
-            <a:r>
-              <a:rPr lang="en-ID" sz="2000" dirty="0" err="1">
-                <a:latin typeface="Roboto" panose="02000000000000000000" pitchFamily="2" charset="0"/>
-                <a:ea typeface="Yu Mincho" panose="02020400000000000000" pitchFamily="18" charset="-128"/>
-                <a:cs typeface="Times New Roman" panose="02020603050405020304" pitchFamily="18" charset="0"/>
-              </a:rPr>
-              <a:t>gabung</a:t>
-            </a:r>
-            <a:r>
-              <a:rPr lang="en-ID" sz="2000" dirty="0">
-                <a:latin typeface="Roboto" panose="02000000000000000000" pitchFamily="2" charset="0"/>
-                <a:ea typeface="Yu Mincho" panose="02020400000000000000" pitchFamily="18" charset="-128"/>
-                <a:cs typeface="Times New Roman" panose="02020603050405020304" pitchFamily="18" charset="0"/>
-              </a:rPr>
-              <a:t> </a:t>
-            </a:r>
-            <a:r>
-              <a:rPr lang="en-ID" sz="2000" dirty="0" err="1">
-                <a:latin typeface="Roboto" panose="02000000000000000000" pitchFamily="2" charset="0"/>
-                <a:ea typeface="Yu Mincho" panose="02020400000000000000" pitchFamily="18" charset="-128"/>
-                <a:cs typeface="Times New Roman" panose="02020603050405020304" pitchFamily="18" charset="0"/>
-              </a:rPr>
-              <a:t>grup</a:t>
-            </a:r>
-            <a:r>
-              <a:rPr lang="en-ID" sz="2000" dirty="0">
-                <a:latin typeface="Roboto" panose="02000000000000000000" pitchFamily="2" charset="0"/>
-                <a:ea typeface="Yu Mincho" panose="02020400000000000000" pitchFamily="18" charset="-128"/>
-                <a:cs typeface="Times New Roman" panose="02020603050405020304" pitchFamily="18" charset="0"/>
-              </a:rPr>
-              <a:t> WhatsApp. Link </a:t>
-            </a:r>
-            <a:r>
-              <a:rPr lang="en-ID" sz="2000" dirty="0" err="1">
-                <a:latin typeface="Roboto" panose="02000000000000000000" pitchFamily="2" charset="0"/>
-                <a:ea typeface="Yu Mincho" panose="02020400000000000000" pitchFamily="18" charset="-128"/>
-                <a:cs typeface="Times New Roman" panose="02020603050405020304" pitchFamily="18" charset="0"/>
-              </a:rPr>
-              <a:t>grup</a:t>
-            </a:r>
-            <a:r>
-              <a:rPr lang="en-ID" sz="2000" dirty="0">
-                <a:latin typeface="Roboto" panose="02000000000000000000" pitchFamily="2" charset="0"/>
-                <a:ea typeface="Yu Mincho" panose="02020400000000000000" pitchFamily="18" charset="-128"/>
-                <a:cs typeface="Times New Roman" panose="02020603050405020304" pitchFamily="18" charset="0"/>
-              </a:rPr>
-              <a:t> </a:t>
-            </a:r>
-            <a:r>
-              <a:rPr lang="en-ID" sz="2000" dirty="0" err="1">
-                <a:latin typeface="Roboto" panose="02000000000000000000" pitchFamily="2" charset="0"/>
-                <a:ea typeface="Yu Mincho" panose="02020400000000000000" pitchFamily="18" charset="-128"/>
-                <a:cs typeface="Times New Roman" panose="02020603050405020304" pitchFamily="18" charset="0"/>
-              </a:rPr>
-              <a:t>ada</a:t>
-            </a:r>
-            <a:r>
-              <a:rPr lang="en-ID" sz="2000" dirty="0">
-                <a:latin typeface="Roboto" panose="02000000000000000000" pitchFamily="2" charset="0"/>
-                <a:ea typeface="Yu Mincho" panose="02020400000000000000" pitchFamily="18" charset="-128"/>
-                <a:cs typeface="Times New Roman" panose="02020603050405020304" pitchFamily="18" charset="0"/>
-              </a:rPr>
-              <a:t> di </a:t>
-            </a:r>
-            <a:r>
-              <a:rPr lang="en-ID" sz="2000" dirty="0" err="1">
-                <a:latin typeface="Roboto" panose="02000000000000000000" pitchFamily="2" charset="0"/>
-                <a:ea typeface="Yu Mincho" panose="02020400000000000000" pitchFamily="18" charset="-128"/>
-                <a:cs typeface="Times New Roman" panose="02020603050405020304" pitchFamily="18" charset="0"/>
-              </a:rPr>
-              <a:t>bagian</a:t>
-            </a:r>
-            <a:r>
-              <a:rPr lang="en-ID" sz="2000" dirty="0">
-                <a:latin typeface="Roboto" panose="02000000000000000000" pitchFamily="2" charset="0"/>
-                <a:ea typeface="Yu Mincho" panose="02020400000000000000" pitchFamily="18" charset="-128"/>
-                <a:cs typeface="Times New Roman" panose="02020603050405020304" pitchFamily="18" charset="0"/>
-              </a:rPr>
-              <a:t> </a:t>
-            </a:r>
-            <a:r>
-              <a:rPr lang="en-ID" sz="2000" dirty="0" err="1">
-                <a:latin typeface="Roboto" panose="02000000000000000000" pitchFamily="2" charset="0"/>
-                <a:ea typeface="Yu Mincho" panose="02020400000000000000" pitchFamily="18" charset="-128"/>
-                <a:cs typeface="Times New Roman" panose="02020603050405020304" pitchFamily="18" charset="0"/>
-              </a:rPr>
-              <a:t>atas</a:t>
-            </a:r>
-            <a:r>
-              <a:rPr lang="en-ID" sz="2000" dirty="0">
-                <a:latin typeface="Roboto" panose="02000000000000000000" pitchFamily="2" charset="0"/>
-                <a:ea typeface="Yu Mincho" panose="02020400000000000000" pitchFamily="18" charset="-128"/>
-                <a:cs typeface="Times New Roman" panose="02020603050405020304" pitchFamily="18" charset="0"/>
-              </a:rPr>
-              <a:t> </a:t>
-            </a:r>
-            <a:r>
-              <a:rPr lang="en-ID" sz="2000" dirty="0" err="1">
-                <a:latin typeface="Roboto" panose="02000000000000000000" pitchFamily="2" charset="0"/>
-                <a:ea typeface="Yu Mincho" panose="02020400000000000000" pitchFamily="18" charset="-128"/>
-                <a:cs typeface="Times New Roman" panose="02020603050405020304" pitchFamily="18" charset="0"/>
-              </a:rPr>
-              <a:t>formulir</a:t>
-            </a:r>
-            <a:r>
-              <a:rPr lang="en-ID" sz="2000" dirty="0">
-                <a:latin typeface="Roboto" panose="02000000000000000000" pitchFamily="2" charset="0"/>
-                <a:ea typeface="Yu Mincho" panose="02020400000000000000" pitchFamily="18" charset="-128"/>
-                <a:cs typeface="Times New Roman" panose="02020603050405020304" pitchFamily="18" charset="0"/>
-              </a:rPr>
-              <a:t>. </a:t>
-            </a:r>
-            <a:r>
-              <a:rPr lang="en-ID" sz="2000" dirty="0" err="1">
-                <a:latin typeface="Roboto" panose="02000000000000000000" pitchFamily="2" charset="0"/>
-                <a:ea typeface="Yu Mincho" panose="02020400000000000000" pitchFamily="18" charset="-128"/>
-                <a:cs typeface="Times New Roman" panose="02020603050405020304" pitchFamily="18" charset="0"/>
-              </a:rPr>
-              <a:t>Setelah</a:t>
-            </a:r>
-            <a:r>
-              <a:rPr lang="en-ID" sz="2000" dirty="0">
-                <a:latin typeface="Roboto" panose="02000000000000000000" pitchFamily="2" charset="0"/>
-                <a:ea typeface="Yu Mincho" panose="02020400000000000000" pitchFamily="18" charset="-128"/>
-                <a:cs typeface="Times New Roman" panose="02020603050405020304" pitchFamily="18" charset="0"/>
-              </a:rPr>
-              <a:t> </a:t>
-            </a:r>
-            <a:r>
-              <a:rPr lang="en-ID" sz="2000" dirty="0" err="1">
-                <a:latin typeface="Roboto" panose="02000000000000000000" pitchFamily="2" charset="0"/>
-                <a:ea typeface="Yu Mincho" panose="02020400000000000000" pitchFamily="18" charset="-128"/>
-                <a:cs typeface="Times New Roman" panose="02020603050405020304" pitchFamily="18" charset="0"/>
-              </a:rPr>
-              <a:t>bergabung</a:t>
-            </a:r>
-            <a:r>
-              <a:rPr lang="en-ID" sz="2000" dirty="0">
-                <a:latin typeface="Roboto" panose="02000000000000000000" pitchFamily="2" charset="0"/>
-                <a:ea typeface="Yu Mincho" panose="02020400000000000000" pitchFamily="18" charset="-128"/>
-                <a:cs typeface="Times New Roman" panose="02020603050405020304" pitchFamily="18" charset="0"/>
-              </a:rPr>
-              <a:t>, </a:t>
-            </a:r>
-            <a:r>
-              <a:rPr lang="en-ID" sz="2000" dirty="0" err="1">
-                <a:latin typeface="Roboto" panose="02000000000000000000" pitchFamily="2" charset="0"/>
-                <a:ea typeface="Yu Mincho" panose="02020400000000000000" pitchFamily="18" charset="-128"/>
-                <a:cs typeface="Times New Roman" panose="02020603050405020304" pitchFamily="18" charset="0"/>
-              </a:rPr>
-              <a:t>isi</a:t>
-            </a:r>
-            <a:r>
-              <a:rPr lang="en-ID" sz="2000">
-                <a:latin typeface="Roboto" panose="02000000000000000000" pitchFamily="2" charset="0"/>
-                <a:ea typeface="Yu Mincho" panose="02020400000000000000" pitchFamily="18" charset="-128"/>
-                <a:cs typeface="Times New Roman" panose="02020603050405020304" pitchFamily="18" charset="0"/>
-              </a:rPr>
-              <a:t> absensi</a:t>
-            </a:r>
-            <a:r>
-              <a:rPr lang="en-ID" sz="2000" dirty="0">
-                <a:latin typeface="Roboto" panose="02000000000000000000" pitchFamily="2" charset="0"/>
-                <a:ea typeface="Yu Mincho" panose="02020400000000000000" pitchFamily="18" charset="-128"/>
-                <a:cs typeface="Times New Roman" panose="02020603050405020304" pitchFamily="18" charset="0"/>
-              </a:rPr>
-              <a:t> Google </a:t>
-            </a:r>
-            <a:r>
-              <a:rPr lang="en-ID" sz="2000" dirty="0" err="1">
-                <a:latin typeface="Roboto" panose="02000000000000000000" pitchFamily="2" charset="0"/>
-                <a:ea typeface="Yu Mincho" panose="02020400000000000000" pitchFamily="18" charset="-128"/>
-                <a:cs typeface="Times New Roman" panose="02020603050405020304" pitchFamily="18" charset="0"/>
-              </a:rPr>
-              <a:t>formulir</a:t>
-            </a:r>
-            <a:r>
-              <a:rPr lang="en-ID" sz="2000" dirty="0">
-                <a:latin typeface="Roboto" panose="02000000000000000000" pitchFamily="2" charset="0"/>
-                <a:ea typeface="Yu Mincho" panose="02020400000000000000" pitchFamily="18" charset="-128"/>
-                <a:cs typeface="Times New Roman" panose="02020603050405020304" pitchFamily="18" charset="0"/>
-              </a:rPr>
-              <a:t>.</a:t>
-            </a:r>
-          </a:p>
-        </p:txBody>
-      </p:sp>
-    </p:spTree>
-    <p:extLst>
-      <p:ext uri="{BB962C8B-B14F-4D97-AF65-F5344CB8AC3E}">
-        <p14:creationId xmlns:p14="http://schemas.microsoft.com/office/powerpoint/2010/main" val="3177253834"/>
-      </p:ext>
-    </p:extLst>
-  </p:cSld>
-  <p:clrMapOvr>
-    <a:masterClrMapping/>
-  </p:clrMapOvr>
-  <mc:AlternateContent xmlns:mc="http://schemas.openxmlformats.org/markup-compatibility/2006" xmlns:p159="http://schemas.microsoft.com/office/powerpoint/2015/09/main">
-    <mc:Choice Requires="p159">
-      <p:transition xmlns:p14="http://schemas.microsoft.com/office/powerpoint/2010/main" spd="slow" p14:dur="2000">
-        <p159:morph option="byObject"/>
-      </p:transition>
-    </mc:Choice>
-    <mc:Fallback xmlns="">
-      <p:transition spd="slow">
-        <p:fade/>
-      </p:transition>
-    </mc:Fallback>
-  </mc:AlternateContent>
-</p:sld>
-</file>
-
 <file path=ppt/slides/slide2.xml><?xml version="1.0" encoding="utf-8"?>
 <p:sld xmlns:a="http://schemas.openxmlformats.org/drawingml/2006/main" xmlns:r="http://schemas.openxmlformats.org/officeDocument/2006/relationships" xmlns:p="http://schemas.openxmlformats.org/presentationml/2006/main">
   <p:cSld>
@@ -44105,7 +42997,7 @@
         <p:spPr>
           <a:xfrm>
             <a:off x="686695" y="4028713"/>
-            <a:ext cx="1918871" cy="615553"/>
+            <a:ext cx="1918871" cy="892552"/>
           </a:xfrm>
           <a:prstGeom prst="rect">
             <a:avLst/>
@@ -44170,7 +43062,7 @@
                 <a:cs typeface="Roboto"/>
                 <a:sym typeface="Roboto"/>
               </a:rPr>
-              <a:t>Desain UI </a:t>
+              <a:t>Desain UI UX </a:t>
             </a:r>
             <a:r>
               <a:rPr lang="en-US" sz="1200" dirty="0" err="1">
@@ -44971,7 +43863,25 @@
                 <a:ea typeface="Yu Mincho" panose="02020400000000000000" pitchFamily="18" charset="-128"/>
                 <a:cs typeface="Times New Roman" panose="02020603050405020304" pitchFamily="18" charset="0"/>
               </a:rPr>
-              <a:t> markup yang </a:t>
+              <a:t> </a:t>
+            </a:r>
+            <a:r>
+              <a:rPr lang="en-ID" sz="1800" dirty="0" err="1">
+                <a:effectLst/>
+                <a:latin typeface="Roboto" panose="02000000000000000000" pitchFamily="2" charset="0"/>
+                <a:ea typeface="Yu Mincho" panose="02020400000000000000" pitchFamily="18" charset="-128"/>
+                <a:cs typeface="Times New Roman" panose="02020603050405020304" pitchFamily="18" charset="0"/>
+              </a:rPr>
+              <a:t>markah</a:t>
+            </a:r>
+            <a:r>
+              <a:rPr lang="en-ID" sz="1800" dirty="0">
+                <a:effectLst/>
+                <a:latin typeface="Roboto" panose="02000000000000000000" pitchFamily="2" charset="0"/>
+                <a:ea typeface="Yu Mincho" panose="02020400000000000000" pitchFamily="18" charset="-128"/>
+                <a:cs typeface="Times New Roman" panose="02020603050405020304" pitchFamily="18" charset="0"/>
+              </a:rPr>
+              <a:t> yang </a:t>
             </a:r>
             <a:r>
               <a:rPr lang="en-ID" sz="1800" dirty="0" err="1">
